--- a/presentations/lesson6P.pptx
+++ b/presentations/lesson6P.pptx
@@ -3001,11 +3001,7 @@
             </a:r>
             <a:r>
               <a:rPr lang="ru-RU" sz="3200" dirty="0" smtClean="0"/>
-              <a:t>дл</a:t>
-            </a:r>
-            <a:r>
-              <a:rPr lang="ru-RU" sz="3200" dirty="0" smtClean="0"/>
-              <a:t>я каждого группированного значения вычислит сумму </a:t>
+              <a:t>для каждого группированного значения вычислит сумму </a:t>
             </a:r>
             <a:r>
               <a:rPr lang="en-US" sz="3200" dirty="0" smtClean="0"/>
@@ -3816,21 +3812,7 @@
                 </a:uFill>
                 <a:latin typeface="Arial"/>
               </a:rPr>
-              <a:t>, </a:t>
-            </a:r>
-            <a:r>
-              <a:rPr lang="ru-RU" sz="3200" spc="-1" dirty="0" smtClean="0">
-                <a:solidFill>
-                  <a:srgbClr val="000000"/>
-                </a:solidFill>
-                <a:uFill>
-                  <a:solidFill>
-                    <a:srgbClr val="FFFFFF"/>
-                  </a:solidFill>
-                </a:uFill>
-                <a:latin typeface="Arial"/>
-              </a:rPr>
-              <a:t>но используются агрегирующие функции или </a:t>
+              <a:t>, но используются агрегирующие функции или </a:t>
             </a:r>
             <a:r>
               <a:rPr lang="en-US" sz="3200" spc="-1" dirty="0" smtClean="0">
@@ -4998,18 +4980,18 @@
           <a:p>
             <a:pPr algn="ctr"/>
             <a:r>
-              <a:rPr lang="en-US" sz="4400" b="0" strike="noStrike" spc="-1" dirty="0" smtClean="0">
-                <a:solidFill>
-                  <a:srgbClr val="000000"/>
-                </a:solidFill>
-                <a:uFill>
-                  <a:solidFill>
-                    <a:srgbClr val="FFFFFF"/>
-                  </a:solidFill>
-                </a:uFill>
-                <a:latin typeface="Arial"/>
-              </a:rPr>
-              <a:t>Condition operators</a:t>
+              <a:rPr lang="ru-RU" sz="4400" spc="-1" dirty="0" smtClean="0">
+                <a:solidFill>
+                  <a:srgbClr val="000000"/>
+                </a:solidFill>
+                <a:uFill>
+                  <a:solidFill>
+                    <a:srgbClr val="FFFFFF"/>
+                  </a:solidFill>
+                </a:uFill>
+                <a:latin typeface="Arial"/>
+              </a:rPr>
+              <a:t>Операторы условия</a:t>
             </a:r>
             <a:endParaRPr lang="ru-RU" sz="4400" b="0" strike="noStrike" spc="-1" dirty="0">
               <a:solidFill>
@@ -5046,7 +5028,7 @@
         </p:spPr>
         <p:txBody>
           <a:bodyPr lIns="0" tIns="0" rIns="0" bIns="0">
-            <a:normAutofit lnSpcReduction="10000"/>
+            <a:normAutofit/>
           </a:bodyPr>
           <a:lstStyle/>
           <a:p>
@@ -5059,50 +5041,6 @@
               </a:buClr>
               <a:buSzPct val="45000"/>
             </a:pPr>
-            <a:r>
-              <a:rPr lang="en-US" sz="3200" dirty="0"/>
-              <a:t>The </a:t>
-            </a:r>
-            <a:r>
-              <a:rPr lang="en-US" sz="3200" dirty="0" smtClean="0"/>
-              <a:t>!=</a:t>
-            </a:r>
-            <a:r>
-              <a:rPr lang="en-US" sz="3200" dirty="0"/>
-              <a:t> operator is converted to </a:t>
-            </a:r>
-            <a:r>
-              <a:rPr lang="en-US" sz="3200" dirty="0" smtClean="0"/>
-              <a:t>&lt;&gt;</a:t>
-            </a:r>
-            <a:r>
-              <a:rPr lang="en-US" sz="3200" dirty="0"/>
-              <a:t> in the parser stage. It is not possible </a:t>
-            </a:r>
-            <a:r>
-              <a:rPr lang="en-US" sz="3200" dirty="0" smtClean="0"/>
-              <a:t>to implement</a:t>
-            </a:r>
-            <a:r>
-              <a:rPr lang="en-US" sz="3200" dirty="0"/>
-              <a:t> </a:t>
-            </a:r>
-            <a:r>
-              <a:rPr lang="en-US" sz="3200" dirty="0" smtClean="0"/>
-              <a:t>!=</a:t>
-            </a:r>
-            <a:r>
-              <a:rPr lang="en-US" sz="3200" dirty="0"/>
-              <a:t> and </a:t>
-            </a:r>
-            <a:r>
-              <a:rPr lang="en-US" sz="3200" dirty="0" smtClean="0"/>
-              <a:t>&lt;&gt;</a:t>
-            </a:r>
-            <a:r>
-              <a:rPr lang="en-US" sz="3200" dirty="0"/>
-              <a:t> operators that do different things.</a:t>
-            </a:r>
             <a:endParaRPr lang="ru-RU" sz="3200" b="0" strike="noStrike" spc="-1" dirty="0">
               <a:solidFill>
                 <a:srgbClr val="000000"/>
@@ -5417,20 +5355,19 @@
           <a:p>
             <a:pPr algn="ctr"/>
             <a:r>
-              <a:rPr lang="en-US" sz="4400" b="0" strike="noStrike" spc="-1" dirty="0" smtClean="0">
-                <a:solidFill>
-                  <a:srgbClr val="000000"/>
-                </a:solidFill>
-                <a:uFill>
-                  <a:solidFill>
-                    <a:srgbClr val="FFFFFF"/>
-                  </a:solidFill>
-                </a:uFill>
-                <a:latin typeface="Arial"/>
-              </a:rPr>
-              <a:t>Condition operators</a:t>
-            </a:r>
-            <a:endParaRPr lang="ru-RU" sz="4400" b="0" strike="noStrike" spc="-1" dirty="0">
+              <a:rPr lang="ru-RU" sz="4400" spc="-1" dirty="0">
+                <a:solidFill>
+                  <a:srgbClr val="000000"/>
+                </a:solidFill>
+                <a:uFill>
+                  <a:solidFill>
+                    <a:srgbClr val="FFFFFF"/>
+                  </a:solidFill>
+                </a:uFill>
+              </a:rPr>
+              <a:t>Операторы условия</a:t>
+            </a:r>
+            <a:endParaRPr lang="ru-RU" sz="4400" spc="-1" dirty="0">
               <a:solidFill>
                 <a:srgbClr val="000000"/>
               </a:solidFill>
@@ -5439,7 +5376,6 @@
                   <a:srgbClr val="FFFFFF"/>
                 </a:solidFill>
               </a:uFill>
-              <a:latin typeface="Arial"/>
             </a:endParaRPr>
           </a:p>
         </p:txBody>
@@ -6414,21 +6350,7 @@
                 </a:uFill>
                 <a:latin typeface="Arial"/>
               </a:rPr>
-              <a:t>Если никак их не связать, то будут возвращены все возможные пары объектов из двух таблиц(декартово произведение). Для ограничения можно добавить услови</a:t>
-            </a:r>
-            <a:r>
-              <a:rPr lang="ru-RU" sz="3200" spc="-1" dirty="0" smtClean="0">
-                <a:solidFill>
-                  <a:srgbClr val="000000"/>
-                </a:solidFill>
-                <a:uFill>
-                  <a:solidFill>
-                    <a:srgbClr val="FFFFFF"/>
-                  </a:solidFill>
-                </a:uFill>
-                <a:latin typeface="Arial"/>
-              </a:rPr>
-              <a:t>е:</a:t>
+              <a:t>Если никак их не связать, то будут возвращены все возможные пары объектов из двух таблиц(декартово произведение). Для ограничения можно добавить условие:</a:t>
             </a:r>
           </a:p>
           <a:p>
@@ -6865,20 +6787,8 @@
               <a:buSzPct val="45000"/>
             </a:pPr>
             <a:r>
-              <a:rPr lang="en-US" sz="3200" dirty="0"/>
-              <a:t>SELECT DISTINCT ON ( </a:t>
-            </a:r>
-            <a:r>
               <a:rPr lang="en-US" sz="3200" dirty="0" smtClean="0"/>
-              <a:t>expression</a:t>
-            </a:r>
-            <a:r>
-              <a:rPr lang="en-US" sz="3200" dirty="0"/>
-              <a:t> [, ...] </a:t>
-            </a:r>
-            <a:r>
-              <a:rPr lang="en-US" sz="3200" dirty="0" smtClean="0"/>
-              <a:t>)</a:t>
+              <a:t>SELECT DISTINCT ON ( expression [, ...] )</a:t>
             </a:r>
             <a:endParaRPr lang="ru-RU" sz="3200" dirty="0" smtClean="0"/>
           </a:p>
@@ -6905,16 +6815,6 @@
               </a:rPr>
               <a:t>При этом будет возвращено только первое вхождение для каждого набора из скобок.</a:t>
             </a:r>
-            <a:endParaRPr lang="ru-RU" sz="3200" spc="-1" dirty="0">
-              <a:solidFill>
-                <a:srgbClr val="000000"/>
-              </a:solidFill>
-              <a:uFill>
-                <a:solidFill>
-                  <a:srgbClr val="FFFFFF"/>
-                </a:solidFill>
-              </a:uFill>
-            </a:endParaRPr>
           </a:p>
           <a:p>
             <a:pPr marL="108000">

--- a/presentations/lesson6P.pptx
+++ b/presentations/lesson6P.pptx
@@ -2542,6 +2542,13 @@
   <p:clrMapOvr>
     <a:masterClrMapping/>
   </p:clrMapOvr>
+  <p:timing>
+    <p:tnLst>
+      <p:par>
+        <p:cTn id="1" dur="indefinite" restart="never" nodeType="tmRoot"/>
+      </p:par>
+    </p:tnLst>
+  </p:timing>
 </p:sld>
 </file>
 
@@ -2625,7 +2632,7 @@
         </p:spPr>
         <p:txBody>
           <a:bodyPr lIns="0" tIns="0" rIns="0" bIns="0">
-            <a:normAutofit fontScale="92500"/>
+            <a:normAutofit lnSpcReduction="10000"/>
           </a:bodyPr>
           <a:lstStyle/>
           <a:p>
@@ -2741,11 +2748,15 @@
               <a:t> </a:t>
             </a:r>
             <a:r>
-              <a:rPr lang="en-US" sz="3200" dirty="0" smtClean="0"/>
-              <a:t>FROM films GROUP BY kind</a:t>
-            </a:r>
-            <a:r>
-              <a:rPr lang="ru-RU" sz="3200" dirty="0" smtClean="0"/>
+              <a:rPr lang="en-US" sz="3200" smtClean="0"/>
+              <a:t>FROM </a:t>
+            </a:r>
+            <a:r>
+              <a:rPr lang="en-US" sz="3200" smtClean="0"/>
+              <a:t>films</a:t>
+            </a:r>
+            <a:r>
+              <a:rPr lang="ru-RU" sz="3200" smtClean="0"/>
               <a:t>;</a:t>
             </a:r>
             <a:endParaRPr lang="ru-RU" sz="3200" spc="-1" dirty="0" smtClean="0">
@@ -2787,6 +2798,13 @@
   <p:clrMapOvr>
     <a:masterClrMapping/>
   </p:clrMapOvr>
+  <p:timing>
+    <p:tnLst>
+      <p:par>
+        <p:cTn id="1" dur="indefinite" restart="never" nodeType="tmRoot"/>
+      </p:par>
+    </p:tnLst>
+  </p:timing>
 </p:sld>
 </file>
 
@@ -3052,6 +3070,13 @@
   <p:clrMapOvr>
     <a:masterClrMapping/>
   </p:clrMapOvr>
+  <p:timing>
+    <p:tnLst>
+      <p:par>
+        <p:cTn id="1" dur="indefinite" restart="never" nodeType="tmRoot"/>
+      </p:par>
+    </p:tnLst>
+  </p:timing>
 </p:sld>
 </file>
 
@@ -3457,6 +3482,13 @@
   <p:clrMapOvr>
     <a:masterClrMapping/>
   </p:clrMapOvr>
+  <p:timing>
+    <p:tnLst>
+      <p:par>
+        <p:cTn id="1" dur="indefinite" restart="never" nodeType="tmRoot"/>
+      </p:par>
+    </p:tnLst>
+  </p:timing>
 </p:sld>
 </file>
 
@@ -3676,6 +3708,13 @@
   <p:clrMapOvr>
     <a:masterClrMapping/>
   </p:clrMapOvr>
+  <p:timing>
+    <p:tnLst>
+      <p:par>
+        <p:cTn id="1" dur="indefinite" restart="never" nodeType="tmRoot"/>
+      </p:par>
+    </p:tnLst>
+  </p:timing>
 </p:sld>
 </file>
 
@@ -3908,6 +3947,13 @@
   <p:clrMapOvr>
     <a:masterClrMapping/>
   </p:clrMapOvr>
+  <p:timing>
+    <p:tnLst>
+      <p:par>
+        <p:cTn id="1" dur="indefinite" restart="never" nodeType="tmRoot"/>
+      </p:par>
+    </p:tnLst>
+  </p:timing>
 </p:sld>
 </file>
 
@@ -4241,6 +4287,13 @@
   <p:clrMapOvr>
     <a:masterClrMapping/>
   </p:clrMapOvr>
+  <p:timing>
+    <p:tnLst>
+      <p:par>
+        <p:cTn id="1" dur="indefinite" restart="never" nodeType="tmRoot"/>
+      </p:par>
+    </p:tnLst>
+  </p:timing>
 </p:sld>
 </file>
 
@@ -4628,6 +4681,13 @@
   <p:clrMapOvr>
     <a:masterClrMapping/>
   </p:clrMapOvr>
+  <p:timing>
+    <p:tnLst>
+      <p:par>
+        <p:cTn id="1" dur="indefinite" restart="never" nodeType="tmRoot"/>
+      </p:par>
+    </p:tnLst>
+  </p:timing>
 </p:sld>
 </file>
 
@@ -4935,6 +4995,13 @@
   <p:clrMapOvr>
     <a:masterClrMapping/>
   </p:clrMapOvr>
+  <p:timing>
+    <p:tnLst>
+      <p:par>
+        <p:cTn id="1" dur="indefinite" restart="never" nodeType="tmRoot"/>
+      </p:par>
+    </p:tnLst>
+  </p:timing>
 </p:sld>
 </file>
 
@@ -5310,6 +5377,13 @@
   <p:clrMapOvr>
     <a:masterClrMapping/>
   </p:clrMapOvr>
+  <p:timing>
+    <p:tnLst>
+      <p:par>
+        <p:cTn id="1" dur="indefinite" restart="never" nodeType="tmRoot"/>
+      </p:par>
+    </p:tnLst>
+  </p:timing>
 </p:sld>
 </file>
 
@@ -5367,16 +5441,6 @@
               </a:rPr>
               <a:t>Операторы условия</a:t>
             </a:r>
-            <a:endParaRPr lang="ru-RU" sz="4400" spc="-1" dirty="0">
-              <a:solidFill>
-                <a:srgbClr val="000000"/>
-              </a:solidFill>
-              <a:uFill>
-                <a:solidFill>
-                  <a:srgbClr val="FFFFFF"/>
-                </a:solidFill>
-              </a:uFill>
-            </a:endParaRPr>
           </a:p>
         </p:txBody>
       </p:sp>
@@ -6081,13 +6145,13 @@
                     <a:lstStyle/>
                     <a:p>
                       <a:r>
-                        <a:rPr lang="en-US" sz="1200" i="1">
+                        <a:rPr lang="en-US" sz="1200" i="1" dirty="0" err="1">
                           <a:effectLst/>
                         </a:rPr>
                         <a:t>boolean_expression</a:t>
                       </a:r>
                       <a:r>
-                        <a:rPr lang="en-US" sz="1200">
+                        <a:rPr lang="en-US" sz="1200" dirty="0">
                           <a:effectLst/>
                         </a:rPr>
                         <a:t> IS UNKNOWN</a:t>
@@ -6164,6 +6228,13 @@
   <p:clrMapOvr>
     <a:masterClrMapping/>
   </p:clrMapOvr>
+  <p:timing>
+    <p:tnLst>
+      <p:par>
+        <p:cTn id="1" dur="indefinite" restart="never" nodeType="tmRoot"/>
+      </p:par>
+    </p:tnLst>
+  </p:timing>
 </p:sld>
 </file>
 
@@ -6460,6 +6531,13 @@
   <p:clrMapOvr>
     <a:masterClrMapping/>
   </p:clrMapOvr>
+  <p:timing>
+    <p:tnLst>
+      <p:par>
+        <p:cTn id="1" dur="indefinite" restart="never" nodeType="tmRoot"/>
+      </p:par>
+    </p:tnLst>
+  </p:timing>
 </p:sld>
 </file>
 
@@ -6845,6 +6923,13 @@
   <p:clrMapOvr>
     <a:masterClrMapping/>
   </p:clrMapOvr>
+  <p:timing>
+    <p:tnLst>
+      <p:par>
+        <p:cTn id="1" dur="indefinite" restart="never" nodeType="tmRoot"/>
+      </p:par>
+    </p:tnLst>
+  </p:timing>
 </p:sld>
 </file>
 
@@ -7188,6 +7273,13 @@
   <p:clrMapOvr>
     <a:masterClrMapping/>
   </p:clrMapOvr>
+  <p:timing>
+    <p:tnLst>
+      <p:par>
+        <p:cTn id="1" dur="indefinite" restart="never" nodeType="tmRoot"/>
+      </p:par>
+    </p:tnLst>
+  </p:timing>
 </p:sld>
 </file>
 
